--- a/線上會議APP.pptx
+++ b/線上會議APP.pptx
@@ -8,6 +8,7 @@
     <p:sldId id="256" r:id="rId2"/>
     <p:sldId id="258" r:id="rId3"/>
     <p:sldId id="257" r:id="rId4"/>
+    <p:sldId id="259" r:id="rId5"/>
   </p:sldIdLst>
   <p:sldSz cx="12192000" cy="6858000"/>
   <p:notesSz cx="6858000" cy="9144000"/>
@@ -106,6 +107,11 @@
       </a:defRPr>
     </a:lvl9pPr>
   </p:defaultTextStyle>
+  <p:extLst>
+    <p:ext uri="{EFAFB233-063F-42B5-8137-9DF3F51BA10A}">
+      <p15:sldGuideLst xmlns:p15="http://schemas.microsoft.com/office/powerpoint/2012/main"/>
+    </p:ext>
+  </p:extLst>
 </p:presentation>
 </file>
 
@@ -512,7 +518,7 @@
           <a:p>
             <a:fld id="{BC5C277B-6EEB-4537-BA44-C76B47A32278}" type="datetimeFigureOut">
               <a:rPr lang="zh-TW" altLang="en-US" smtClean="0"/>
-              <a:t>2020/8/5</a:t>
+              <a:t>2020/8/19</a:t>
             </a:fld>
             <a:endParaRPr lang="zh-TW" altLang="en-US"/>
           </a:p>
@@ -691,7 +697,7 @@
           <a:p>
             <a:fld id="{BC5C277B-6EEB-4537-BA44-C76B47A32278}" type="datetimeFigureOut">
               <a:rPr lang="zh-TW" altLang="en-US" smtClean="0"/>
-              <a:t>2020/8/5</a:t>
+              <a:t>2020/8/19</a:t>
             </a:fld>
             <a:endParaRPr lang="zh-TW" altLang="en-US"/>
           </a:p>
@@ -871,7 +877,7 @@
           <a:p>
             <a:fld id="{BC5C277B-6EEB-4537-BA44-C76B47A32278}" type="datetimeFigureOut">
               <a:rPr lang="zh-TW" altLang="en-US" smtClean="0"/>
-              <a:t>2020/8/5</a:t>
+              <a:t>2020/8/19</a:t>
             </a:fld>
             <a:endParaRPr lang="zh-TW" altLang="en-US"/>
           </a:p>
@@ -1041,7 +1047,7 @@
           <a:p>
             <a:fld id="{BC5C277B-6EEB-4537-BA44-C76B47A32278}" type="datetimeFigureOut">
               <a:rPr lang="zh-TW" altLang="en-US" smtClean="0"/>
-              <a:t>2020/8/5</a:t>
+              <a:t>2020/8/19</a:t>
             </a:fld>
             <a:endParaRPr lang="zh-TW" altLang="en-US"/>
           </a:p>
@@ -1354,7 +1360,7 @@
           <a:p>
             <a:fld id="{BC5C277B-6EEB-4537-BA44-C76B47A32278}" type="datetimeFigureOut">
               <a:rPr lang="zh-TW" altLang="en-US" smtClean="0"/>
-              <a:t>2020/8/5</a:t>
+              <a:t>2020/8/19</a:t>
             </a:fld>
             <a:endParaRPr lang="zh-TW" altLang="en-US"/>
           </a:p>
@@ -1740,7 +1746,7 @@
           <a:p>
             <a:fld id="{BC5C277B-6EEB-4537-BA44-C76B47A32278}" type="datetimeFigureOut">
               <a:rPr lang="zh-TW" altLang="en-US" smtClean="0"/>
-              <a:t>2020/8/5</a:t>
+              <a:t>2020/8/19</a:t>
             </a:fld>
             <a:endParaRPr lang="zh-TW" altLang="en-US"/>
           </a:p>
@@ -2174,7 +2180,7 @@
           <a:p>
             <a:fld id="{BC5C277B-6EEB-4537-BA44-C76B47A32278}" type="datetimeFigureOut">
               <a:rPr lang="zh-TW" altLang="en-US" smtClean="0"/>
-              <a:t>2020/8/5</a:t>
+              <a:t>2020/8/19</a:t>
             </a:fld>
             <a:endParaRPr lang="zh-TW" altLang="en-US"/>
           </a:p>
@@ -2292,7 +2298,7 @@
           <a:p>
             <a:fld id="{BC5C277B-6EEB-4537-BA44-C76B47A32278}" type="datetimeFigureOut">
               <a:rPr lang="zh-TW" altLang="en-US" smtClean="0"/>
-              <a:t>2020/8/5</a:t>
+              <a:t>2020/8/19</a:t>
             </a:fld>
             <a:endParaRPr lang="zh-TW" altLang="en-US"/>
           </a:p>
@@ -2387,7 +2393,7 @@
           <a:p>
             <a:fld id="{BC5C277B-6EEB-4537-BA44-C76B47A32278}" type="datetimeFigureOut">
               <a:rPr lang="zh-TW" altLang="en-US" smtClean="0"/>
-              <a:t>2020/8/5</a:t>
+              <a:t>2020/8/19</a:t>
             </a:fld>
             <a:endParaRPr lang="zh-TW" altLang="en-US"/>
           </a:p>
@@ -2737,7 +2743,7 @@
           <a:p>
             <a:fld id="{BC5C277B-6EEB-4537-BA44-C76B47A32278}" type="datetimeFigureOut">
               <a:rPr lang="zh-TW" altLang="en-US" smtClean="0"/>
-              <a:t>2020/8/5</a:t>
+              <a:t>2020/8/19</a:t>
             </a:fld>
             <a:endParaRPr lang="zh-TW" altLang="en-US"/>
           </a:p>
@@ -3162,7 +3168,7 @@
           <a:p>
             <a:fld id="{BC5C277B-6EEB-4537-BA44-C76B47A32278}" type="datetimeFigureOut">
               <a:rPr lang="zh-TW" altLang="en-US" smtClean="0"/>
-              <a:t>2020/8/5</a:t>
+              <a:t>2020/8/19</a:t>
             </a:fld>
             <a:endParaRPr lang="zh-TW" altLang="en-US"/>
           </a:p>
@@ -3443,7 +3449,7 @@
           <a:p>
             <a:fld id="{BC5C277B-6EEB-4537-BA44-C76B47A32278}" type="datetimeFigureOut">
               <a:rPr lang="zh-TW" altLang="en-US" smtClean="0"/>
-              <a:t>2020/8/5</a:t>
+              <a:t>2020/8/19</a:t>
             </a:fld>
             <a:endParaRPr lang="zh-TW" altLang="en-US"/>
           </a:p>
@@ -4232,7 +4238,12 @@
             <p:ph type="title"/>
           </p:nvPr>
         </p:nvSpPr>
-        <p:spPr/>
+        <p:spPr>
+          <a:xfrm>
+            <a:off x="1066800" y="588327"/>
+            <a:ext cx="10058400" cy="1609344"/>
+          </a:xfrm>
+        </p:spPr>
         <p:txBody>
           <a:bodyPr/>
           <a:lstStyle/>
@@ -4262,17 +4273,20 @@
         </p:nvSpPr>
         <p:spPr>
           <a:xfrm>
-            <a:off x="838200" y="2438400"/>
-            <a:ext cx="10515600" cy="3444240"/>
+            <a:off x="838200" y="2010103"/>
+            <a:ext cx="10515600" cy="4414345"/>
           </a:xfrm>
         </p:spPr>
         <p:txBody>
           <a:bodyPr>
-            <a:normAutofit/>
+            <a:normAutofit fontScale="92500" lnSpcReduction="10000"/>
           </a:bodyPr>
           <a:lstStyle/>
           <a:p>
             <a:pPr marL="514350" indent="-514350">
+              <a:lnSpc>
+                <a:spcPct val="150000"/>
+              </a:lnSpc>
               <a:buAutoNum type="arabicPeriod"/>
             </a:pPr>
             <a:r>
@@ -4283,6 +4297,9 @@
           </a:p>
           <a:p>
             <a:pPr marL="514350" indent="-514350">
+              <a:lnSpc>
+                <a:spcPct val="150000"/>
+              </a:lnSpc>
               <a:buAutoNum type="arabicPeriod"/>
             </a:pPr>
             <a:r>
@@ -4293,6 +4310,9 @@
           </a:p>
           <a:p>
             <a:pPr marL="514350" indent="-514350">
+              <a:lnSpc>
+                <a:spcPct val="150000"/>
+              </a:lnSpc>
               <a:buAutoNum type="arabicPeriod"/>
             </a:pPr>
             <a:r>
@@ -4319,6 +4339,9 @@
           </a:p>
           <a:p>
             <a:pPr marL="514350" indent="-514350">
+              <a:lnSpc>
+                <a:spcPct val="150000"/>
+              </a:lnSpc>
               <a:buAutoNum type="arabicPeriod"/>
             </a:pPr>
             <a:r>
@@ -4329,6 +4352,9 @@
           </a:p>
           <a:p>
             <a:pPr marL="514350" indent="-514350">
+              <a:lnSpc>
+                <a:spcPct val="150000"/>
+              </a:lnSpc>
               <a:buAutoNum type="arabicPeriod"/>
             </a:pPr>
             <a:r>
@@ -4355,6 +4381,9 @@
           </a:p>
           <a:p>
             <a:pPr marL="514350" indent="-514350">
+              <a:lnSpc>
+                <a:spcPct val="150000"/>
+              </a:lnSpc>
               <a:buAutoNum type="arabicPeriod"/>
             </a:pPr>
             <a:r>
@@ -4365,6 +4394,9 @@
           </a:p>
           <a:p>
             <a:pPr marL="514350" indent="-514350">
+              <a:lnSpc>
+                <a:spcPct val="150000"/>
+              </a:lnSpc>
               <a:buAutoNum type="arabicPeriod"/>
             </a:pPr>
             <a:r>
@@ -4379,6 +4411,1056 @@
     <p:extLst>
       <p:ext uri="{BB962C8B-B14F-4D97-AF65-F5344CB8AC3E}">
         <p14:creationId xmlns:p14="http://schemas.microsoft.com/office/powerpoint/2010/main" val="4168553335"/>
+      </p:ext>
+    </p:extLst>
+  </p:cSld>
+  <p:clrMapOvr>
+    <a:masterClrMapping/>
+  </p:clrMapOvr>
+</p:sld>
+</file>
+
+<file path=ppt/slides/slide4.xml><?xml version="1.0" encoding="utf-8"?>
+<p:sld xmlns:a="http://schemas.openxmlformats.org/drawingml/2006/main" xmlns:r="http://schemas.openxmlformats.org/officeDocument/2006/relationships" xmlns:p="http://schemas.openxmlformats.org/presentationml/2006/main">
+  <p:cSld>
+    <p:spTree>
+      <p:nvGrpSpPr>
+        <p:cNvPr id="1" name=""/>
+        <p:cNvGrpSpPr/>
+        <p:nvPr/>
+      </p:nvGrpSpPr>
+      <p:grpSpPr>
+        <a:xfrm>
+          <a:off x="0" y="0"/>
+          <a:ext cx="0" cy="0"/>
+          <a:chOff x="0" y="0"/>
+          <a:chExt cx="0" cy="0"/>
+        </a:xfrm>
+      </p:grpSpPr>
+      <p:sp>
+        <p:nvSpPr>
+          <p:cNvPr id="2" name="標題 1">
+            <a:extLst>
+              <a:ext uri="{FF2B5EF4-FFF2-40B4-BE49-F238E27FC236}">
+                <a16:creationId xmlns:a16="http://schemas.microsoft.com/office/drawing/2014/main" id="{3C6E5025-FD43-4BD0-92D7-558B7B9D9778}"/>
+              </a:ext>
+            </a:extLst>
+          </p:cNvPr>
+          <p:cNvSpPr>
+            <a:spLocks noGrp="1"/>
+          </p:cNvSpPr>
+          <p:nvPr>
+            <p:ph type="title"/>
+          </p:nvPr>
+        </p:nvSpPr>
+        <p:spPr>
+          <a:xfrm>
+            <a:off x="1069848" y="484633"/>
+            <a:ext cx="10058400" cy="618954"/>
+          </a:xfrm>
+        </p:spPr>
+        <p:txBody>
+          <a:bodyPr>
+            <a:normAutofit fontScale="90000"/>
+          </a:bodyPr>
+          <a:lstStyle/>
+          <a:p>
+            <a:r>
+              <a:rPr lang="zh-TW" altLang="en-US" dirty="0"/>
+              <a:t>使用者需求</a:t>
+            </a:r>
+          </a:p>
+        </p:txBody>
+      </p:sp>
+      <p:graphicFrame>
+        <p:nvGraphicFramePr>
+          <p:cNvPr id="5" name="表格 5">
+            <a:extLst>
+              <a:ext uri="{FF2B5EF4-FFF2-40B4-BE49-F238E27FC236}">
+                <a16:creationId xmlns:a16="http://schemas.microsoft.com/office/drawing/2014/main" id="{4D163D4E-7142-4655-915C-C178DAB05BF0}"/>
+              </a:ext>
+            </a:extLst>
+          </p:cNvPr>
+          <p:cNvGraphicFramePr>
+            <a:graphicFrameLocks noGrp="1"/>
+          </p:cNvGraphicFramePr>
+          <p:nvPr>
+            <p:ph idx="1"/>
+            <p:extLst>
+              <p:ext uri="{D42A27DB-BD31-4B8C-83A1-F6EECF244321}">
+                <p14:modId xmlns:p14="http://schemas.microsoft.com/office/powerpoint/2010/main" val="2752007065"/>
+              </p:ext>
+            </p:extLst>
+          </p:nvPr>
+        </p:nvGraphicFramePr>
+        <p:xfrm>
+          <a:off x="827689" y="1387803"/>
+          <a:ext cx="10536621" cy="5122635"/>
+        </p:xfrm>
+        <a:graphic>
+          <a:graphicData uri="http://schemas.openxmlformats.org/drawingml/2006/table">
+            <a:tbl>
+              <a:tblPr firstRow="1" bandRow="1">
+                <a:tableStyleId>{5C22544A-7EE6-4342-B048-85BDC9FD1C3A}</a:tableStyleId>
+              </a:tblPr>
+              <a:tblGrid>
+                <a:gridCol w="1140373">
+                  <a:extLst>
+                    <a:ext uri="{9D8B030D-6E8A-4147-A177-3AD203B41FA5}">
+                      <a16:colId xmlns:a16="http://schemas.microsoft.com/office/drawing/2014/main" val="1969242525"/>
+                    </a:ext>
+                  </a:extLst>
+                </a:gridCol>
+                <a:gridCol w="5131676">
+                  <a:extLst>
+                    <a:ext uri="{9D8B030D-6E8A-4147-A177-3AD203B41FA5}">
+                      <a16:colId xmlns:a16="http://schemas.microsoft.com/office/drawing/2014/main" val="642036974"/>
+                    </a:ext>
+                  </a:extLst>
+                </a:gridCol>
+                <a:gridCol w="3736428">
+                  <a:extLst>
+                    <a:ext uri="{9D8B030D-6E8A-4147-A177-3AD203B41FA5}">
+                      <a16:colId xmlns:a16="http://schemas.microsoft.com/office/drawing/2014/main" val="1577308912"/>
+                    </a:ext>
+                  </a:extLst>
+                </a:gridCol>
+                <a:gridCol w="528144">
+                  <a:extLst>
+                    <a:ext uri="{9D8B030D-6E8A-4147-A177-3AD203B41FA5}">
+                      <a16:colId xmlns:a16="http://schemas.microsoft.com/office/drawing/2014/main" val="233033821"/>
+                    </a:ext>
+                  </a:extLst>
+                </a:gridCol>
+              </a:tblGrid>
+              <a:tr h="339615">
+                <a:tc>
+                  <a:txBody>
+                    <a:bodyPr/>
+                    <a:lstStyle/>
+                    <a:p>
+                      <a:r>
+                        <a:rPr lang="zh-TW" altLang="en-US" sz="1400" dirty="0"/>
+                        <a:t>使用者</a:t>
+                      </a:r>
+                    </a:p>
+                  </a:txBody>
+                  <a:tcPr/>
+                </a:tc>
+                <a:tc>
+                  <a:txBody>
+                    <a:bodyPr/>
+                    <a:lstStyle/>
+                    <a:p>
+                      <a:r>
+                        <a:rPr lang="zh-TW" altLang="en-US" sz="1400" dirty="0"/>
+                        <a:t>希望達到的目的</a:t>
+                      </a:r>
+                    </a:p>
+                  </a:txBody>
+                  <a:tcPr/>
+                </a:tc>
+                <a:tc>
+                  <a:txBody>
+                    <a:bodyPr/>
+                    <a:lstStyle/>
+                    <a:p>
+                      <a:pPr marL="0" marR="0" lvl="0" indent="0" algn="l" defTabSz="914400" rtl="0" eaLnBrk="1" fontAlgn="auto" latinLnBrk="0" hangingPunct="1">
+                        <a:lnSpc>
+                          <a:spcPct val="100000"/>
+                        </a:lnSpc>
+                        <a:spcBef>
+                          <a:spcPts val="0"/>
+                        </a:spcBef>
+                        <a:spcAft>
+                          <a:spcPts val="0"/>
+                        </a:spcAft>
+                        <a:buClrTx/>
+                        <a:buSzTx/>
+                        <a:buFontTx/>
+                        <a:buNone/>
+                        <a:tabLst/>
+                        <a:defRPr/>
+                      </a:pPr>
+                      <a:r>
+                        <a:rPr lang="zh-TW" altLang="en-US" sz="1400" dirty="0"/>
+                        <a:t>需求功能</a:t>
+                      </a:r>
+                    </a:p>
+                  </a:txBody>
+                  <a:tcPr/>
+                </a:tc>
+                <a:tc>
+                  <a:txBody>
+                    <a:bodyPr/>
+                    <a:lstStyle/>
+                    <a:p>
+                      <a:endParaRPr lang="zh-TW" altLang="en-US" sz="1400"/>
+                    </a:p>
+                  </a:txBody>
+                  <a:tcPr/>
+                </a:tc>
+                <a:extLst>
+                  <a:ext uri="{0D108BD9-81ED-4DB2-BD59-A6C34878D82A}">
+                    <a16:rowId xmlns:a16="http://schemas.microsoft.com/office/drawing/2014/main" val="3306714726"/>
+                  </a:ext>
+                </a:extLst>
+              </a:tr>
+              <a:tr h="1129715">
+                <a:tc>
+                  <a:txBody>
+                    <a:bodyPr/>
+                    <a:lstStyle/>
+                    <a:p>
+                      <a:pPr>
+                        <a:lnSpc>
+                          <a:spcPct val="150000"/>
+                        </a:lnSpc>
+                      </a:pPr>
+                      <a:r>
+                        <a:rPr lang="zh-TW" altLang="en-US" sz="1400" dirty="0"/>
+                        <a:t>會議主持</a:t>
+                      </a:r>
+                      <a:r>
+                        <a:rPr lang="en-US" altLang="zh-TW" sz="1400" dirty="0"/>
+                        <a:t>/</a:t>
+                      </a:r>
+                      <a:r>
+                        <a:rPr lang="zh-TW" altLang="en-US" sz="1400" dirty="0"/>
+                        <a:t>公司主管</a:t>
+                      </a:r>
+                    </a:p>
+                  </a:txBody>
+                  <a:tcPr/>
+                </a:tc>
+                <a:tc>
+                  <a:txBody>
+                    <a:bodyPr/>
+                    <a:lstStyle/>
+                    <a:p>
+                      <a:pPr marL="342900" marR="0" lvl="0" indent="-342900" algn="l" defTabSz="914400" rtl="0" eaLnBrk="1" fontAlgn="auto" latinLnBrk="0" hangingPunct="1">
+                        <a:lnSpc>
+                          <a:spcPct val="150000"/>
+                        </a:lnSpc>
+                        <a:spcBef>
+                          <a:spcPts val="0"/>
+                        </a:spcBef>
+                        <a:spcAft>
+                          <a:spcPts val="0"/>
+                        </a:spcAft>
+                        <a:buClrTx/>
+                        <a:buSzTx/>
+                        <a:buFont typeface="Wingdings" panose="05000000000000000000" pitchFamily="2" charset="2"/>
+                        <a:buChar char="l"/>
+                        <a:tabLst/>
+                        <a:defRPr/>
+                      </a:pPr>
+                      <a:r>
+                        <a:rPr lang="zh-TW" altLang="en-US" sz="1400" dirty="0"/>
+                        <a:t>能夠管控房間權限</a:t>
+                      </a:r>
+                      <a:endParaRPr lang="en-US" altLang="zh-TW" sz="1400" dirty="0"/>
+                    </a:p>
+                    <a:p>
+                      <a:pPr marL="342900" marR="0" lvl="0" indent="-342900" algn="l" defTabSz="914400" rtl="0" eaLnBrk="1" fontAlgn="auto" latinLnBrk="0" hangingPunct="1">
+                        <a:lnSpc>
+                          <a:spcPct val="150000"/>
+                        </a:lnSpc>
+                        <a:spcBef>
+                          <a:spcPts val="0"/>
+                        </a:spcBef>
+                        <a:spcAft>
+                          <a:spcPts val="0"/>
+                        </a:spcAft>
+                        <a:buClrTx/>
+                        <a:buSzTx/>
+                        <a:buFont typeface="Wingdings" panose="05000000000000000000" pitchFamily="2" charset="2"/>
+                        <a:buChar char="l"/>
+                        <a:tabLst/>
+                        <a:defRPr/>
+                      </a:pPr>
+                      <a:r>
+                        <a:rPr lang="zh-TW" altLang="en-US" sz="1400" dirty="0"/>
+                        <a:t>管理麥克風、視訊</a:t>
+                      </a:r>
+                      <a:endParaRPr lang="en-US" altLang="zh-TW" sz="1400" dirty="0"/>
+                    </a:p>
+                    <a:p>
+                      <a:pPr marL="342900" marR="0" lvl="0" indent="-342900" algn="l" defTabSz="914400" rtl="0" eaLnBrk="1" fontAlgn="auto" latinLnBrk="0" hangingPunct="1">
+                        <a:lnSpc>
+                          <a:spcPct val="150000"/>
+                        </a:lnSpc>
+                        <a:spcBef>
+                          <a:spcPts val="0"/>
+                        </a:spcBef>
+                        <a:spcAft>
+                          <a:spcPts val="0"/>
+                        </a:spcAft>
+                        <a:buClrTx/>
+                        <a:buSzTx/>
+                        <a:buFont typeface="Wingdings" panose="05000000000000000000" pitchFamily="2" charset="2"/>
+                        <a:buChar char="l"/>
+                        <a:tabLst/>
+                        <a:defRPr/>
+                      </a:pPr>
+                      <a:r>
+                        <a:rPr lang="zh-TW" altLang="en-US" sz="1400" dirty="0"/>
+                        <a:t>查看歷史文檔</a:t>
+                      </a:r>
+                      <a:endParaRPr lang="en-US" altLang="zh-TW" sz="1400" dirty="0"/>
+                    </a:p>
+                  </a:txBody>
+                  <a:tcPr/>
+                </a:tc>
+                <a:tc>
+                  <a:txBody>
+                    <a:bodyPr/>
+                    <a:lstStyle/>
+                    <a:p>
+                      <a:pPr marL="0" marR="0" lvl="0" indent="0" algn="l" defTabSz="914400" rtl="0" eaLnBrk="1" fontAlgn="auto" latinLnBrk="0" hangingPunct="1">
+                        <a:lnSpc>
+                          <a:spcPct val="150000"/>
+                        </a:lnSpc>
+                        <a:spcBef>
+                          <a:spcPts val="0"/>
+                        </a:spcBef>
+                        <a:spcAft>
+                          <a:spcPts val="0"/>
+                        </a:spcAft>
+                        <a:buClrTx/>
+                        <a:buSzTx/>
+                        <a:buFontTx/>
+                        <a:buNone/>
+                        <a:tabLst/>
+                        <a:defRPr/>
+                      </a:pPr>
+                      <a:r>
+                        <a:rPr lang="zh-TW" altLang="en-US" sz="1400" dirty="0"/>
+                        <a:t>權限管控：密碼、會議室</a:t>
+                      </a:r>
+                      <a:r>
+                        <a:rPr lang="en-US" altLang="zh-TW" sz="1400" dirty="0"/>
+                        <a:t>id</a:t>
+                      </a:r>
+                      <a:r>
+                        <a:rPr lang="zh-TW" altLang="en-US" sz="1400" dirty="0"/>
+                        <a:t>、儲藏空間管控等</a:t>
+                      </a:r>
+                      <a:endParaRPr lang="en-US" altLang="zh-TW" sz="1400" dirty="0"/>
+                    </a:p>
+                    <a:p>
+                      <a:pPr marL="0" marR="0" lvl="0" indent="0" algn="l" defTabSz="914400" rtl="0" eaLnBrk="1" fontAlgn="auto" latinLnBrk="0" hangingPunct="1">
+                        <a:lnSpc>
+                          <a:spcPct val="150000"/>
+                        </a:lnSpc>
+                        <a:spcBef>
+                          <a:spcPts val="0"/>
+                        </a:spcBef>
+                        <a:spcAft>
+                          <a:spcPts val="0"/>
+                        </a:spcAft>
+                        <a:buClrTx/>
+                        <a:buSzTx/>
+                        <a:buFontTx/>
+                        <a:buNone/>
+                        <a:tabLst/>
+                        <a:defRPr/>
+                      </a:pPr>
+                      <a:r>
+                        <a:rPr lang="zh-TW" altLang="en-US" sz="1400" dirty="0"/>
+                        <a:t>麥克風的切換、視訊畫面的切換</a:t>
+                      </a:r>
+                      <a:endParaRPr lang="en-US" altLang="zh-TW" sz="1400" dirty="0"/>
+                    </a:p>
+                    <a:p>
+                      <a:pPr marL="0" marR="0" lvl="0" indent="0" algn="l" defTabSz="914400" rtl="0" eaLnBrk="1" fontAlgn="auto" latinLnBrk="0" hangingPunct="1">
+                        <a:lnSpc>
+                          <a:spcPct val="150000"/>
+                        </a:lnSpc>
+                        <a:spcBef>
+                          <a:spcPts val="0"/>
+                        </a:spcBef>
+                        <a:spcAft>
+                          <a:spcPts val="0"/>
+                        </a:spcAft>
+                        <a:buClrTx/>
+                        <a:buSzTx/>
+                        <a:buFontTx/>
+                        <a:buNone/>
+                        <a:tabLst/>
+                        <a:defRPr/>
+                      </a:pPr>
+                      <a:r>
+                        <a:rPr lang="zh-TW" altLang="en-US" sz="1400" dirty="0"/>
+                        <a:t>人員邀請、請離、封鎖</a:t>
+                      </a:r>
+                    </a:p>
+                  </a:txBody>
+                  <a:tcPr/>
+                </a:tc>
+                <a:tc>
+                  <a:txBody>
+                    <a:bodyPr/>
+                    <a:lstStyle/>
+                    <a:p>
+                      <a:endParaRPr lang="zh-TW" altLang="en-US" sz="1400" dirty="0"/>
+                    </a:p>
+                  </a:txBody>
+                  <a:tcPr/>
+                </a:tc>
+                <a:extLst>
+                  <a:ext uri="{0D108BD9-81ED-4DB2-BD59-A6C34878D82A}">
+                    <a16:rowId xmlns:a16="http://schemas.microsoft.com/office/drawing/2014/main" val="695120396"/>
+                  </a:ext>
+                </a:extLst>
+              </a:tr>
+              <a:tr h="773120">
+                <a:tc>
+                  <a:txBody>
+                    <a:bodyPr/>
+                    <a:lstStyle/>
+                    <a:p>
+                      <a:pPr>
+                        <a:lnSpc>
+                          <a:spcPct val="150000"/>
+                        </a:lnSpc>
+                      </a:pPr>
+                      <a:r>
+                        <a:rPr lang="zh-TW" altLang="en-US" sz="1400" dirty="0"/>
+                        <a:t>會議記錄</a:t>
+                      </a:r>
+                      <a:r>
+                        <a:rPr lang="en-US" altLang="zh-TW" sz="1400" dirty="0"/>
+                        <a:t>/</a:t>
+                      </a:r>
+                      <a:r>
+                        <a:rPr lang="zh-TW" altLang="en-US" sz="1400" dirty="0"/>
+                        <a:t>秘書</a:t>
+                      </a:r>
+                    </a:p>
+                  </a:txBody>
+                  <a:tcPr/>
+                </a:tc>
+                <a:tc>
+                  <a:txBody>
+                    <a:bodyPr/>
+                    <a:lstStyle/>
+                    <a:p>
+                      <a:pPr marL="342900" marR="0" lvl="0" indent="-342900" algn="l" defTabSz="914400" rtl="0" eaLnBrk="1" fontAlgn="auto" latinLnBrk="0" hangingPunct="1">
+                        <a:lnSpc>
+                          <a:spcPct val="150000"/>
+                        </a:lnSpc>
+                        <a:spcBef>
+                          <a:spcPts val="0"/>
+                        </a:spcBef>
+                        <a:spcAft>
+                          <a:spcPts val="0"/>
+                        </a:spcAft>
+                        <a:buClrTx/>
+                        <a:buSzTx/>
+                        <a:buFont typeface="Wingdings" panose="05000000000000000000" pitchFamily="2" charset="2"/>
+                        <a:buChar char="l"/>
+                        <a:tabLst/>
+                        <a:defRPr/>
+                      </a:pPr>
+                      <a:r>
+                        <a:rPr lang="zh-TW" altLang="en-US" sz="1400" dirty="0"/>
+                        <a:t>能夠錄音、錄影、線上編輯文件</a:t>
+                      </a:r>
+                      <a:endParaRPr lang="en-US" altLang="zh-TW" sz="1400" dirty="0"/>
+                    </a:p>
+                    <a:p>
+                      <a:pPr marL="342900" marR="0" lvl="0" indent="-342900" algn="l" defTabSz="914400" rtl="0" eaLnBrk="1" fontAlgn="auto" latinLnBrk="0" hangingPunct="1">
+                        <a:lnSpc>
+                          <a:spcPct val="150000"/>
+                        </a:lnSpc>
+                        <a:spcBef>
+                          <a:spcPts val="0"/>
+                        </a:spcBef>
+                        <a:spcAft>
+                          <a:spcPts val="0"/>
+                        </a:spcAft>
+                        <a:buClrTx/>
+                        <a:buSzTx/>
+                        <a:buFont typeface="Wingdings" panose="05000000000000000000" pitchFamily="2" charset="2"/>
+                        <a:buChar char="l"/>
+                        <a:tabLst/>
+                        <a:defRPr/>
+                      </a:pPr>
+                      <a:r>
+                        <a:rPr lang="zh-TW" altLang="en-US" sz="1400" dirty="0"/>
+                        <a:t>即時編輯、記錄會議內容</a:t>
+                      </a:r>
+                      <a:endParaRPr lang="en-US" altLang="zh-TW" sz="1400" dirty="0"/>
+                    </a:p>
+                  </a:txBody>
+                  <a:tcPr/>
+                </a:tc>
+                <a:tc>
+                  <a:txBody>
+                    <a:bodyPr/>
+                    <a:lstStyle/>
+                    <a:p>
+                      <a:pPr marL="0" marR="0" lvl="0" indent="0" algn="l" defTabSz="914400" rtl="0" eaLnBrk="1" fontAlgn="auto" latinLnBrk="0" hangingPunct="1">
+                        <a:lnSpc>
+                          <a:spcPct val="150000"/>
+                        </a:lnSpc>
+                        <a:spcBef>
+                          <a:spcPts val="0"/>
+                        </a:spcBef>
+                        <a:spcAft>
+                          <a:spcPts val="0"/>
+                        </a:spcAft>
+                        <a:buClrTx/>
+                        <a:buSzTx/>
+                        <a:buFontTx/>
+                        <a:buNone/>
+                        <a:tabLst/>
+                        <a:defRPr/>
+                      </a:pPr>
+                      <a:r>
+                        <a:rPr lang="zh-TW" altLang="en-US" sz="1400" dirty="0"/>
+                        <a:t>線上儲存歷史文件、會議錄音錄影檔案等</a:t>
+                      </a:r>
+                      <a:endParaRPr lang="en-US" altLang="zh-TW" sz="1400" dirty="0"/>
+                    </a:p>
+                    <a:p>
+                      <a:pPr marL="0" marR="0" lvl="0" indent="0" algn="l" defTabSz="914400" rtl="0" eaLnBrk="1" fontAlgn="auto" latinLnBrk="0" hangingPunct="1">
+                        <a:lnSpc>
+                          <a:spcPct val="150000"/>
+                        </a:lnSpc>
+                        <a:spcBef>
+                          <a:spcPts val="0"/>
+                        </a:spcBef>
+                        <a:spcAft>
+                          <a:spcPts val="0"/>
+                        </a:spcAft>
+                        <a:buClrTx/>
+                        <a:buSzTx/>
+                        <a:buFontTx/>
+                        <a:buNone/>
+                        <a:tabLst/>
+                        <a:defRPr/>
+                      </a:pPr>
+                      <a:r>
+                        <a:rPr lang="zh-TW" altLang="en-US" sz="1400" dirty="0"/>
+                        <a:t>及時編輯文檔</a:t>
+                      </a:r>
+                      <a:endParaRPr lang="en-US" altLang="zh-TW" sz="1400" dirty="0"/>
+                    </a:p>
+                  </a:txBody>
+                  <a:tcPr/>
+                </a:tc>
+                <a:tc>
+                  <a:txBody>
+                    <a:bodyPr/>
+                    <a:lstStyle/>
+                    <a:p>
+                      <a:endParaRPr lang="zh-TW" altLang="en-US" sz="1400"/>
+                    </a:p>
+                  </a:txBody>
+                  <a:tcPr/>
+                </a:tc>
+                <a:extLst>
+                  <a:ext uri="{0D108BD9-81ED-4DB2-BD59-A6C34878D82A}">
+                    <a16:rowId xmlns:a16="http://schemas.microsoft.com/office/drawing/2014/main" val="109003980"/>
+                  </a:ext>
+                </a:extLst>
+              </a:tr>
+              <a:tr h="773120">
+                <a:tc>
+                  <a:txBody>
+                    <a:bodyPr/>
+                    <a:lstStyle/>
+                    <a:p>
+                      <a:pPr marL="0" marR="0" lvl="0" indent="0" algn="l" defTabSz="914400" rtl="0" eaLnBrk="1" fontAlgn="auto" latinLnBrk="0" hangingPunct="1">
+                        <a:lnSpc>
+                          <a:spcPct val="150000"/>
+                        </a:lnSpc>
+                        <a:spcBef>
+                          <a:spcPts val="0"/>
+                        </a:spcBef>
+                        <a:spcAft>
+                          <a:spcPts val="0"/>
+                        </a:spcAft>
+                        <a:buClrTx/>
+                        <a:buSzTx/>
+                        <a:buFontTx/>
+                        <a:buNone/>
+                        <a:tabLst/>
+                        <a:defRPr/>
+                      </a:pPr>
+                      <a:r>
+                        <a:rPr lang="zh-TW" altLang="en-US" sz="1400" dirty="0"/>
+                        <a:t>一般使用者</a:t>
+                      </a:r>
+                    </a:p>
+                    <a:p>
+                      <a:pPr>
+                        <a:lnSpc>
+                          <a:spcPct val="150000"/>
+                        </a:lnSpc>
+                      </a:pPr>
+                      <a:endParaRPr lang="zh-TW" altLang="en-US" sz="1400" dirty="0"/>
+                    </a:p>
+                  </a:txBody>
+                  <a:tcPr/>
+                </a:tc>
+                <a:tc>
+                  <a:txBody>
+                    <a:bodyPr/>
+                    <a:lstStyle/>
+                    <a:p>
+                      <a:pPr marL="285750" marR="0" lvl="0" indent="-285750" algn="l" defTabSz="914400" rtl="0" eaLnBrk="1" fontAlgn="auto" latinLnBrk="0" hangingPunct="1">
+                        <a:lnSpc>
+                          <a:spcPct val="150000"/>
+                        </a:lnSpc>
+                        <a:spcBef>
+                          <a:spcPts val="0"/>
+                        </a:spcBef>
+                        <a:spcAft>
+                          <a:spcPts val="0"/>
+                        </a:spcAft>
+                        <a:buClrTx/>
+                        <a:buSzTx/>
+                        <a:buFont typeface="Wingdings" panose="05000000000000000000" pitchFamily="2" charset="2"/>
+                        <a:buChar char="l"/>
+                        <a:tabLst/>
+                        <a:defRPr/>
+                      </a:pPr>
+                      <a:r>
+                        <a:rPr lang="zh-TW" altLang="en-US" sz="1400" dirty="0"/>
+                        <a:t>能夠多人編輯及管理，共同完成專案</a:t>
+                      </a:r>
+                      <a:endParaRPr lang="en-US" altLang="zh-TW" sz="1400" dirty="0"/>
+                    </a:p>
+                    <a:p>
+                      <a:pPr marL="285750" marR="0" lvl="0" indent="-285750" algn="l" defTabSz="914400" rtl="0" eaLnBrk="1" fontAlgn="auto" latinLnBrk="0" hangingPunct="1">
+                        <a:lnSpc>
+                          <a:spcPct val="150000"/>
+                        </a:lnSpc>
+                        <a:spcBef>
+                          <a:spcPts val="0"/>
+                        </a:spcBef>
+                        <a:spcAft>
+                          <a:spcPts val="0"/>
+                        </a:spcAft>
+                        <a:buClrTx/>
+                        <a:buSzTx/>
+                        <a:buFont typeface="Wingdings" panose="05000000000000000000" pitchFamily="2" charset="2"/>
+                        <a:buChar char="l"/>
+                        <a:tabLst/>
+                        <a:defRPr/>
+                      </a:pPr>
+                      <a:r>
+                        <a:rPr lang="zh-TW" altLang="en-US" sz="1400" dirty="0"/>
+                        <a:t>即時傳輸、討論及基本互動</a:t>
+                      </a:r>
+                    </a:p>
+                  </a:txBody>
+                  <a:tcPr/>
+                </a:tc>
+                <a:tc>
+                  <a:txBody>
+                    <a:bodyPr/>
+                    <a:lstStyle/>
+                    <a:p>
+                      <a:pPr marL="0" marR="0" lvl="0" indent="0" algn="l" defTabSz="914400" rtl="0" eaLnBrk="1" fontAlgn="auto" latinLnBrk="0" hangingPunct="1">
+                        <a:lnSpc>
+                          <a:spcPct val="150000"/>
+                        </a:lnSpc>
+                        <a:spcBef>
+                          <a:spcPts val="0"/>
+                        </a:spcBef>
+                        <a:spcAft>
+                          <a:spcPts val="0"/>
+                        </a:spcAft>
+                        <a:buClrTx/>
+                        <a:buSzTx/>
+                        <a:buFontTx/>
+                        <a:buNone/>
+                        <a:tabLst/>
+                        <a:defRPr/>
+                      </a:pPr>
+                      <a:r>
+                        <a:rPr lang="zh-TW" altLang="en-US" sz="1400" dirty="0"/>
+                        <a:t>多人文字傳輸、共同編輯會議文件</a:t>
+                      </a:r>
+                    </a:p>
+                    <a:p>
+                      <a:pPr marL="0" marR="0" lvl="0" indent="0" algn="l" defTabSz="914400" rtl="0" eaLnBrk="1" fontAlgn="auto" latinLnBrk="0" hangingPunct="1">
+                        <a:lnSpc>
+                          <a:spcPct val="150000"/>
+                        </a:lnSpc>
+                        <a:spcBef>
+                          <a:spcPts val="0"/>
+                        </a:spcBef>
+                        <a:spcAft>
+                          <a:spcPts val="0"/>
+                        </a:spcAft>
+                        <a:buClrTx/>
+                        <a:buSzTx/>
+                        <a:buFontTx/>
+                        <a:buNone/>
+                        <a:tabLst/>
+                        <a:defRPr/>
+                      </a:pPr>
+                      <a:r>
+                        <a:rPr lang="zh-TW" altLang="en-US" sz="1400" dirty="0"/>
+                        <a:t>文字、視訊、檔案、文件、影片即時傳輸</a:t>
+                      </a:r>
+                    </a:p>
+                  </a:txBody>
+                  <a:tcPr/>
+                </a:tc>
+                <a:tc>
+                  <a:txBody>
+                    <a:bodyPr/>
+                    <a:lstStyle/>
+                    <a:p>
+                      <a:endParaRPr lang="zh-TW" altLang="en-US" sz="1400"/>
+                    </a:p>
+                  </a:txBody>
+                  <a:tcPr/>
+                </a:tc>
+                <a:extLst>
+                  <a:ext uri="{0D108BD9-81ED-4DB2-BD59-A6C34878D82A}">
+                    <a16:rowId xmlns:a16="http://schemas.microsoft.com/office/drawing/2014/main" val="3116864106"/>
+                  </a:ext>
+                </a:extLst>
+              </a:tr>
+              <a:tr h="1129715">
+                <a:tc>
+                  <a:txBody>
+                    <a:bodyPr/>
+                    <a:lstStyle/>
+                    <a:p>
+                      <a:pPr marL="0" marR="0" lvl="0" indent="0" algn="l" defTabSz="914400" rtl="0" eaLnBrk="1" fontAlgn="auto" latinLnBrk="0" hangingPunct="1">
+                        <a:lnSpc>
+                          <a:spcPct val="150000"/>
+                        </a:lnSpc>
+                        <a:spcBef>
+                          <a:spcPts val="0"/>
+                        </a:spcBef>
+                        <a:spcAft>
+                          <a:spcPts val="0"/>
+                        </a:spcAft>
+                        <a:buClrTx/>
+                        <a:buSzTx/>
+                        <a:buFontTx/>
+                        <a:buNone/>
+                        <a:tabLst/>
+                        <a:defRPr/>
+                      </a:pPr>
+                      <a:r>
+                        <a:rPr lang="zh-TW" altLang="en-US" sz="1400" dirty="0"/>
+                        <a:t>教師</a:t>
+                      </a:r>
+                      <a:r>
+                        <a:rPr lang="en-US" altLang="zh-TW" sz="1400" dirty="0"/>
+                        <a:t>/</a:t>
+                      </a:r>
+                      <a:r>
+                        <a:rPr lang="zh-TW" altLang="en-US" sz="1400" dirty="0"/>
+                        <a:t>學生</a:t>
+                      </a:r>
+                    </a:p>
+                    <a:p>
+                      <a:pPr>
+                        <a:lnSpc>
+                          <a:spcPct val="150000"/>
+                        </a:lnSpc>
+                      </a:pPr>
+                      <a:endParaRPr lang="zh-TW" altLang="en-US" sz="1400" dirty="0"/>
+                    </a:p>
+                  </a:txBody>
+                  <a:tcPr/>
+                </a:tc>
+                <a:tc>
+                  <a:txBody>
+                    <a:bodyPr/>
+                    <a:lstStyle/>
+                    <a:p>
+                      <a:pPr marL="342900" marR="0" lvl="0" indent="-342900" algn="l" defTabSz="914400" rtl="0" eaLnBrk="1" fontAlgn="auto" latinLnBrk="0" hangingPunct="1">
+                        <a:lnSpc>
+                          <a:spcPct val="150000"/>
+                        </a:lnSpc>
+                        <a:spcBef>
+                          <a:spcPts val="0"/>
+                        </a:spcBef>
+                        <a:spcAft>
+                          <a:spcPts val="0"/>
+                        </a:spcAft>
+                        <a:buClrTx/>
+                        <a:buSzTx/>
+                        <a:buFont typeface="Wingdings" panose="05000000000000000000" pitchFamily="2" charset="2"/>
+                        <a:buChar char="l"/>
+                        <a:tabLst/>
+                        <a:defRPr/>
+                      </a:pPr>
+                      <a:r>
+                        <a:rPr lang="zh-TW" altLang="en-US" sz="1400" dirty="0"/>
+                        <a:t>重要日程的公布欄，如考試日期、作業時程、開課日期等</a:t>
+                      </a:r>
+                      <a:endParaRPr lang="en-US" altLang="zh-TW" sz="1400" dirty="0"/>
+                    </a:p>
+                    <a:p>
+                      <a:pPr marL="342900" marR="0" lvl="0" indent="-342900" algn="l" defTabSz="914400" rtl="0" eaLnBrk="1" fontAlgn="auto" latinLnBrk="0" hangingPunct="1">
+                        <a:lnSpc>
+                          <a:spcPct val="150000"/>
+                        </a:lnSpc>
+                        <a:spcBef>
+                          <a:spcPts val="0"/>
+                        </a:spcBef>
+                        <a:spcAft>
+                          <a:spcPts val="0"/>
+                        </a:spcAft>
+                        <a:buClrTx/>
+                        <a:buSzTx/>
+                        <a:buFont typeface="Wingdings" panose="05000000000000000000" pitchFamily="2" charset="2"/>
+                        <a:buChar char="l"/>
+                        <a:tabLst/>
+                        <a:defRPr/>
+                      </a:pPr>
+                      <a:r>
+                        <a:rPr lang="zh-TW" altLang="en-US" sz="1400" dirty="0"/>
+                        <a:t>即時教學白板</a:t>
+                      </a:r>
+                      <a:endParaRPr lang="en-US" altLang="zh-TW" sz="1400" dirty="0"/>
+                    </a:p>
+                    <a:p>
+                      <a:pPr marL="342900" marR="0" lvl="0" indent="-342900" algn="l" defTabSz="914400" rtl="0" eaLnBrk="1" fontAlgn="auto" latinLnBrk="0" hangingPunct="1">
+                        <a:lnSpc>
+                          <a:spcPct val="150000"/>
+                        </a:lnSpc>
+                        <a:spcBef>
+                          <a:spcPts val="0"/>
+                        </a:spcBef>
+                        <a:spcAft>
+                          <a:spcPts val="0"/>
+                        </a:spcAft>
+                        <a:buClrTx/>
+                        <a:buSzTx/>
+                        <a:buFont typeface="Wingdings" panose="05000000000000000000" pitchFamily="2" charset="2"/>
+                        <a:buChar char="l"/>
+                        <a:tabLst/>
+                        <a:defRPr/>
+                      </a:pPr>
+                      <a:r>
+                        <a:rPr lang="zh-TW" altLang="en-US" sz="1400" dirty="0"/>
+                        <a:t>導師可以接收到學生詢問的問題</a:t>
+                      </a:r>
+                      <a:endParaRPr lang="en-US" altLang="zh-TW" sz="1400" dirty="0"/>
+                    </a:p>
+                    <a:p>
+                      <a:pPr marL="342900" marR="0" lvl="0" indent="-342900" algn="l" defTabSz="914400" rtl="0" eaLnBrk="1" fontAlgn="auto" latinLnBrk="0" hangingPunct="1">
+                        <a:lnSpc>
+                          <a:spcPct val="150000"/>
+                        </a:lnSpc>
+                        <a:spcBef>
+                          <a:spcPts val="0"/>
+                        </a:spcBef>
+                        <a:spcAft>
+                          <a:spcPts val="0"/>
+                        </a:spcAft>
+                        <a:buClrTx/>
+                        <a:buSzTx/>
+                        <a:buFont typeface="Wingdings" panose="05000000000000000000" pitchFamily="2" charset="2"/>
+                        <a:buChar char="l"/>
+                        <a:tabLst/>
+                        <a:defRPr/>
+                      </a:pPr>
+                      <a:r>
+                        <a:rPr lang="zh-TW" altLang="en-US" sz="1400" dirty="0"/>
+                        <a:t>學生能下載教師的教學檔案，也能上傳課程作業</a:t>
+                      </a:r>
+                      <a:endParaRPr lang="en-US" altLang="zh-TW" sz="1400" dirty="0"/>
+                    </a:p>
+                  </a:txBody>
+                  <a:tcPr/>
+                </a:tc>
+                <a:tc>
+                  <a:txBody>
+                    <a:bodyPr/>
+                    <a:lstStyle/>
+                    <a:p>
+                      <a:pPr marL="0" marR="0" lvl="0" indent="0" algn="l" defTabSz="914400" rtl="0" eaLnBrk="1" fontAlgn="auto" latinLnBrk="0" hangingPunct="1">
+                        <a:lnSpc>
+                          <a:spcPct val="150000"/>
+                        </a:lnSpc>
+                        <a:spcBef>
+                          <a:spcPts val="0"/>
+                        </a:spcBef>
+                        <a:spcAft>
+                          <a:spcPts val="0"/>
+                        </a:spcAft>
+                        <a:buClrTx/>
+                        <a:buSzTx/>
+                        <a:buFontTx/>
+                        <a:buNone/>
+                        <a:tabLst/>
+                        <a:defRPr/>
+                      </a:pPr>
+                      <a:r>
+                        <a:rPr lang="zh-TW" altLang="en-US" sz="1400" dirty="0"/>
+                        <a:t>日曆日程、日期提醒、公佈欄、討論區、個人訊息、即時教學白板、檔案上傳及下載</a:t>
+                      </a:r>
+                    </a:p>
+                  </a:txBody>
+                  <a:tcPr/>
+                </a:tc>
+                <a:tc>
+                  <a:txBody>
+                    <a:bodyPr/>
+                    <a:lstStyle/>
+                    <a:p>
+                      <a:endParaRPr lang="zh-TW" altLang="en-US" sz="1400" dirty="0"/>
+                    </a:p>
+                  </a:txBody>
+                  <a:tcPr/>
+                </a:tc>
+                <a:extLst>
+                  <a:ext uri="{0D108BD9-81ED-4DB2-BD59-A6C34878D82A}">
+                    <a16:rowId xmlns:a16="http://schemas.microsoft.com/office/drawing/2014/main" val="3683206735"/>
+                  </a:ext>
+                </a:extLst>
+              </a:tr>
+              <a:tr h="773120">
+                <a:tc>
+                  <a:txBody>
+                    <a:bodyPr/>
+                    <a:lstStyle/>
+                    <a:p>
+                      <a:pPr marL="0" marR="0" lvl="0" indent="0" algn="l" defTabSz="914400" rtl="0" eaLnBrk="1" fontAlgn="auto" latinLnBrk="0" hangingPunct="1">
+                        <a:lnSpc>
+                          <a:spcPct val="150000"/>
+                        </a:lnSpc>
+                        <a:spcBef>
+                          <a:spcPts val="0"/>
+                        </a:spcBef>
+                        <a:spcAft>
+                          <a:spcPts val="0"/>
+                        </a:spcAft>
+                        <a:buClrTx/>
+                        <a:buSzTx/>
+                        <a:buFontTx/>
+                        <a:buNone/>
+                        <a:tabLst/>
+                        <a:defRPr/>
+                      </a:pPr>
+                      <a:r>
+                        <a:rPr lang="zh-TW" altLang="en-US" sz="1400" dirty="0"/>
+                        <a:t>直播主</a:t>
+                      </a:r>
+                    </a:p>
+                    <a:p>
+                      <a:pPr>
+                        <a:lnSpc>
+                          <a:spcPct val="150000"/>
+                        </a:lnSpc>
+                      </a:pPr>
+                      <a:endParaRPr lang="zh-TW" altLang="en-US" sz="1400" dirty="0"/>
+                    </a:p>
+                  </a:txBody>
+                  <a:tcPr/>
+                </a:tc>
+                <a:tc>
+                  <a:txBody>
+                    <a:bodyPr/>
+                    <a:lstStyle/>
+                    <a:p>
+                      <a:pPr marL="285750" marR="0" lvl="0" indent="-285750" algn="l" defTabSz="914400" rtl="0" eaLnBrk="1" fontAlgn="auto" latinLnBrk="0" hangingPunct="1">
+                        <a:lnSpc>
+                          <a:spcPct val="150000"/>
+                        </a:lnSpc>
+                        <a:spcBef>
+                          <a:spcPts val="0"/>
+                        </a:spcBef>
+                        <a:spcAft>
+                          <a:spcPts val="0"/>
+                        </a:spcAft>
+                        <a:buClrTx/>
+                        <a:buSzTx/>
+                        <a:buFont typeface="Wingdings" panose="05000000000000000000" pitchFamily="2" charset="2"/>
+                        <a:buChar char="l"/>
+                        <a:tabLst/>
+                        <a:defRPr/>
+                      </a:pPr>
+                      <a:r>
+                        <a:rPr lang="zh-TW" altLang="en-US" sz="1400" dirty="0"/>
+                        <a:t>能和粉絲互動</a:t>
+                      </a:r>
+                      <a:endParaRPr lang="en-US" altLang="zh-TW" sz="1400" dirty="0"/>
+                    </a:p>
+                    <a:p>
+                      <a:pPr marL="285750" marR="0" lvl="0" indent="-285750" algn="l" defTabSz="914400" rtl="0" eaLnBrk="1" fontAlgn="auto" latinLnBrk="0" hangingPunct="1">
+                        <a:lnSpc>
+                          <a:spcPct val="150000"/>
+                        </a:lnSpc>
+                        <a:spcBef>
+                          <a:spcPts val="0"/>
+                        </a:spcBef>
+                        <a:spcAft>
+                          <a:spcPts val="0"/>
+                        </a:spcAft>
+                        <a:buClrTx/>
+                        <a:buSzTx/>
+                        <a:buFont typeface="Wingdings" panose="05000000000000000000" pitchFamily="2" charset="2"/>
+                        <a:buChar char="l"/>
+                        <a:tabLst/>
+                        <a:defRPr/>
+                      </a:pPr>
+                      <a:r>
+                        <a:rPr lang="zh-TW" altLang="en-US" sz="1400" dirty="0"/>
+                        <a:t>預告自己的直播日程</a:t>
+                      </a:r>
+                      <a:endParaRPr lang="en-US" altLang="zh-TW" sz="1400" dirty="0"/>
+                    </a:p>
+                  </a:txBody>
+                  <a:tcPr/>
+                </a:tc>
+                <a:tc>
+                  <a:txBody>
+                    <a:bodyPr/>
+                    <a:lstStyle/>
+                    <a:p>
+                      <a:pPr>
+                        <a:lnSpc>
+                          <a:spcPct val="150000"/>
+                        </a:lnSpc>
+                      </a:pPr>
+                      <a:r>
+                        <a:rPr lang="zh-TW" altLang="en-US" sz="1400" dirty="0"/>
+                        <a:t>個人表情包、動態圖片、多人訊息欄、廣告、斗內功能等</a:t>
+                      </a:r>
+                    </a:p>
+                  </a:txBody>
+                  <a:tcPr/>
+                </a:tc>
+                <a:tc>
+                  <a:txBody>
+                    <a:bodyPr/>
+                    <a:lstStyle/>
+                    <a:p>
+                      <a:endParaRPr lang="zh-TW" altLang="en-US" sz="1400" dirty="0"/>
+                    </a:p>
+                  </a:txBody>
+                  <a:tcPr/>
+                </a:tc>
+                <a:extLst>
+                  <a:ext uri="{0D108BD9-81ED-4DB2-BD59-A6C34878D82A}">
+                    <a16:rowId xmlns:a16="http://schemas.microsoft.com/office/drawing/2014/main" val="1911149632"/>
+                  </a:ext>
+                </a:extLst>
+              </a:tr>
+            </a:tbl>
+          </a:graphicData>
+        </a:graphic>
+      </p:graphicFrame>
+    </p:spTree>
+    <p:extLst>
+      <p:ext uri="{BB962C8B-B14F-4D97-AF65-F5344CB8AC3E}">
+        <p14:creationId xmlns:p14="http://schemas.microsoft.com/office/powerpoint/2010/main" val="3303333636"/>
       </p:ext>
     </p:extLst>
   </p:cSld>
